--- a/Practical Week Overview.pptx
+++ b/Practical Week Overview.pptx
@@ -9159,7 +9159,7 @@
             </a:pPr>
             <a:r>
               <a:rPr lang="de"/>
-              <a:t>SVM.ipynb</a:t>
+              <a:t>SVM/SVM.ipynb</a:t>
             </a:r>
             <a:endParaRPr/>
           </a:p>
@@ -9279,7 +9279,7 @@
             <a:tbl>
               <a:tblPr>
                 <a:noFill/>
-                <a:tableStyleId>{893F2488-9D4C-4F3D-8099-0588193DEE34}</a:tableStyleId>
+                <a:tableStyleId>{D835C57A-31D3-4411-BD54-EB93A3782911}</a:tableStyleId>
               </a:tblPr>
               <a:tblGrid>
                 <a:gridCol w="1809750"/>
